--- a/Covid_states_diagram.pptx
+++ b/Covid_states_diagram.pptx
@@ -104,6 +104,11 @@
       </a:defRPr>
     </a:lvl9pPr>
   </p:defaultTextStyle>
+  <p:extLst>
+    <p:ext uri="{EFAFB233-063F-42B5-8137-9DF3F51BA10A}">
+      <p15:sldGuideLst xmlns:p15="http://schemas.microsoft.com/office/powerpoint/2012/main"/>
+    </p:ext>
+  </p:extLst>
 </p:presentation>
 </file>
 
@@ -3453,7 +3458,7 @@
         </p:nvSpPr>
         <p:spPr>
           <a:xfrm>
-            <a:off x="4776132" y="234892"/>
+            <a:off x="5488967" y="433724"/>
             <a:ext cx="1392573" cy="595618"/>
           </a:xfrm>
           <a:prstGeom prst="ellipse">
@@ -3562,7 +3567,7 @@
         <p:spPr>
           <a:xfrm>
             <a:off x="4053281" y="532701"/>
-            <a:ext cx="722851" cy="0"/>
+            <a:ext cx="1435686" cy="198832"/>
           </a:xfrm>
           <a:prstGeom prst="straightConnector1">
             <a:avLst/>
@@ -3645,7 +3650,7 @@
         </p:nvSpPr>
         <p:spPr>
           <a:xfrm>
-            <a:off x="5875790" y="1014021"/>
+            <a:off x="6732093" y="1344454"/>
             <a:ext cx="1308683" cy="457200"/>
           </a:xfrm>
           <a:prstGeom prst="rect">
@@ -3704,7 +3709,7 @@
         </p:nvSpPr>
         <p:spPr>
           <a:xfrm>
-            <a:off x="3802310" y="1014021"/>
+            <a:off x="3815592" y="1327324"/>
             <a:ext cx="1308683" cy="457200"/>
           </a:xfrm>
           <a:prstGeom prst="rect">
@@ -3763,7 +3768,7 @@
         </p:nvSpPr>
         <p:spPr>
           <a:xfrm>
-            <a:off x="4927134" y="1952540"/>
+            <a:off x="5497235" y="2327958"/>
             <a:ext cx="1392573" cy="595618"/>
           </a:xfrm>
           <a:prstGeom prst="ellipse">
@@ -3826,8 +3831,8 @@
         </p:nvCxnSpPr>
         <p:spPr>
           <a:xfrm>
-            <a:off x="5472419" y="830510"/>
-            <a:ext cx="1057713" cy="183511"/>
+            <a:off x="6185254" y="1029342"/>
+            <a:ext cx="1201181" cy="315112"/>
           </a:xfrm>
           <a:prstGeom prst="straightConnector1">
             <a:avLst/>
@@ -3868,8 +3873,8 @@
         </p:nvCxnSpPr>
         <p:spPr>
           <a:xfrm flipH="1">
-            <a:off x="4456652" y="830510"/>
-            <a:ext cx="1015767" cy="183511"/>
+            <a:off x="4469934" y="1029342"/>
+            <a:ext cx="1715320" cy="297982"/>
           </a:xfrm>
           <a:prstGeom prst="straightConnector1">
             <a:avLst/>
@@ -3911,8 +3916,8 @@
         </p:nvCxnSpPr>
         <p:spPr>
           <a:xfrm flipH="1">
-            <a:off x="5623421" y="1471221"/>
-            <a:ext cx="906711" cy="481319"/>
+            <a:off x="6193522" y="1801654"/>
+            <a:ext cx="1192913" cy="526304"/>
           </a:xfrm>
           <a:prstGeom prst="straightConnector1">
             <a:avLst/>
@@ -3954,8 +3959,1056 @@
         </p:nvCxnSpPr>
         <p:spPr>
           <a:xfrm>
-            <a:off x="4456652" y="1471221"/>
-            <a:ext cx="1166769" cy="481319"/>
+            <a:off x="4469934" y="1784524"/>
+            <a:ext cx="1723588" cy="543434"/>
+          </a:xfrm>
+          <a:prstGeom prst="straightConnector1">
+            <a:avLst/>
+          </a:prstGeom>
+          <a:ln>
+            <a:tailEnd type="triangle"/>
+          </a:ln>
+        </p:spPr>
+        <p:style>
+          <a:lnRef idx="1">
+            <a:schemeClr val="dk1"/>
+          </a:lnRef>
+          <a:fillRef idx="0">
+            <a:schemeClr val="dk1"/>
+          </a:fillRef>
+          <a:effectRef idx="0">
+            <a:schemeClr val="dk1"/>
+          </a:effectRef>
+          <a:fontRef idx="minor">
+            <a:schemeClr val="tx1"/>
+          </a:fontRef>
+        </p:style>
+      </p:cxnSp>
+      <p:sp>
+        <p:nvSpPr>
+          <p:cNvPr id="21" name="Oval 20">
+            <a:extLst>
+              <a:ext uri="{FF2B5EF4-FFF2-40B4-BE49-F238E27FC236}">
+                <a16:creationId xmlns:a16="http://schemas.microsoft.com/office/drawing/2014/main" id="{4BCB9954-D12A-4613-BE50-6FB65099DB57}"/>
+              </a:ext>
+            </a:extLst>
+          </p:cNvPr>
+          <p:cNvSpPr/>
+          <p:nvPr/>
+        </p:nvSpPr>
+        <p:spPr>
+          <a:xfrm>
+            <a:off x="5497235" y="3346793"/>
+            <a:ext cx="1392573" cy="595618"/>
+          </a:xfrm>
+          <a:prstGeom prst="ellipse">
+            <a:avLst/>
+          </a:prstGeom>
+          <a:noFill/>
+          <a:ln>
+            <a:solidFill>
+              <a:schemeClr val="tx1"/>
+            </a:solidFill>
+          </a:ln>
+        </p:spPr>
+        <p:style>
+          <a:lnRef idx="2">
+            <a:schemeClr val="accent1">
+              <a:shade val="50000"/>
+            </a:schemeClr>
+          </a:lnRef>
+          <a:fillRef idx="1">
+            <a:schemeClr val="accent1"/>
+          </a:fillRef>
+          <a:effectRef idx="0">
+            <a:schemeClr val="accent1"/>
+          </a:effectRef>
+          <a:fontRef idx="minor">
+            <a:schemeClr val="lt1"/>
+          </a:fontRef>
+        </p:style>
+        <p:txBody>
+          <a:bodyPr rtlCol="0" anchor="ctr"/>
+          <a:lstStyle/>
+          <a:p>
+            <a:pPr algn="ctr"/>
+            <a:r>
+              <a:rPr lang="en-US" sz="1100" dirty="0">
+                <a:solidFill>
+                  <a:schemeClr val="tx1"/>
+                </a:solidFill>
+              </a:rPr>
+              <a:t>Soft Hold</a:t>
+            </a:r>
+          </a:p>
+        </p:txBody>
+      </p:sp>
+      <p:sp>
+        <p:nvSpPr>
+          <p:cNvPr id="23" name="Oval 22">
+            <a:extLst>
+              <a:ext uri="{FF2B5EF4-FFF2-40B4-BE49-F238E27FC236}">
+                <a16:creationId xmlns:a16="http://schemas.microsoft.com/office/drawing/2014/main" id="{C6A475A6-91EE-4070-8C17-53A733504B17}"/>
+              </a:ext>
+            </a:extLst>
+          </p:cNvPr>
+          <p:cNvSpPr/>
+          <p:nvPr/>
+        </p:nvSpPr>
+        <p:spPr>
+          <a:xfrm>
+            <a:off x="7883062" y="3346793"/>
+            <a:ext cx="1392573" cy="595618"/>
+          </a:xfrm>
+          <a:prstGeom prst="ellipse">
+            <a:avLst/>
+          </a:prstGeom>
+          <a:noFill/>
+          <a:ln>
+            <a:solidFill>
+              <a:schemeClr val="tx1"/>
+            </a:solidFill>
+          </a:ln>
+        </p:spPr>
+        <p:style>
+          <a:lnRef idx="2">
+            <a:schemeClr val="accent1">
+              <a:shade val="50000"/>
+            </a:schemeClr>
+          </a:lnRef>
+          <a:fillRef idx="1">
+            <a:schemeClr val="accent1"/>
+          </a:fillRef>
+          <a:effectRef idx="0">
+            <a:schemeClr val="accent1"/>
+          </a:effectRef>
+          <a:fontRef idx="minor">
+            <a:schemeClr val="lt1"/>
+          </a:fontRef>
+        </p:style>
+        <p:txBody>
+          <a:bodyPr rtlCol="0" anchor="ctr"/>
+          <a:lstStyle/>
+          <a:p>
+            <a:pPr algn="ctr"/>
+            <a:r>
+              <a:rPr lang="en-US" sz="1100" dirty="0">
+                <a:solidFill>
+                  <a:schemeClr val="tx1"/>
+                </a:solidFill>
+              </a:rPr>
+              <a:t>Negative</a:t>
+            </a:r>
+          </a:p>
+        </p:txBody>
+      </p:sp>
+      <p:sp>
+        <p:nvSpPr>
+          <p:cNvPr id="25" name="Oval 24">
+            <a:extLst>
+              <a:ext uri="{FF2B5EF4-FFF2-40B4-BE49-F238E27FC236}">
+                <a16:creationId xmlns:a16="http://schemas.microsoft.com/office/drawing/2014/main" id="{F635825A-74C0-4879-AFC3-EB773B65997F}"/>
+              </a:ext>
+            </a:extLst>
+          </p:cNvPr>
+          <p:cNvSpPr/>
+          <p:nvPr/>
+        </p:nvSpPr>
+        <p:spPr>
+          <a:xfrm>
+            <a:off x="3987628" y="4038673"/>
+            <a:ext cx="1392573" cy="595618"/>
+          </a:xfrm>
+          <a:prstGeom prst="ellipse">
+            <a:avLst/>
+          </a:prstGeom>
+          <a:noFill/>
+          <a:ln>
+            <a:solidFill>
+              <a:schemeClr val="tx1"/>
+            </a:solidFill>
+          </a:ln>
+        </p:spPr>
+        <p:style>
+          <a:lnRef idx="2">
+            <a:schemeClr val="accent1">
+              <a:shade val="50000"/>
+            </a:schemeClr>
+          </a:lnRef>
+          <a:fillRef idx="1">
+            <a:schemeClr val="accent1"/>
+          </a:fillRef>
+          <a:effectRef idx="0">
+            <a:schemeClr val="accent1"/>
+          </a:effectRef>
+          <a:fontRef idx="minor">
+            <a:schemeClr val="lt1"/>
+          </a:fontRef>
+        </p:style>
+        <p:txBody>
+          <a:bodyPr rtlCol="0" anchor="ctr"/>
+          <a:lstStyle/>
+          <a:p>
+            <a:pPr algn="ctr"/>
+            <a:r>
+              <a:rPr lang="en-US" sz="1100" dirty="0">
+                <a:solidFill>
+                  <a:schemeClr val="tx1"/>
+                </a:solidFill>
+              </a:rPr>
+              <a:t>Positive</a:t>
+            </a:r>
+          </a:p>
+        </p:txBody>
+      </p:sp>
+      <p:sp>
+        <p:nvSpPr>
+          <p:cNvPr id="27" name="Oval 26">
+            <a:extLst>
+              <a:ext uri="{FF2B5EF4-FFF2-40B4-BE49-F238E27FC236}">
+                <a16:creationId xmlns:a16="http://schemas.microsoft.com/office/drawing/2014/main" id="{78D3A210-0656-419D-A185-C770EC035C79}"/>
+              </a:ext>
+            </a:extLst>
+          </p:cNvPr>
+          <p:cNvSpPr/>
+          <p:nvPr/>
+        </p:nvSpPr>
+        <p:spPr>
+          <a:xfrm>
+            <a:off x="1173410" y="1772059"/>
+            <a:ext cx="1392573" cy="595618"/>
+          </a:xfrm>
+          <a:prstGeom prst="ellipse">
+            <a:avLst/>
+          </a:prstGeom>
+          <a:noFill/>
+          <a:ln>
+            <a:solidFill>
+              <a:schemeClr val="tx1"/>
+            </a:solidFill>
+          </a:ln>
+        </p:spPr>
+        <p:style>
+          <a:lnRef idx="2">
+            <a:schemeClr val="accent1">
+              <a:shade val="50000"/>
+            </a:schemeClr>
+          </a:lnRef>
+          <a:fillRef idx="1">
+            <a:schemeClr val="accent1"/>
+          </a:fillRef>
+          <a:effectRef idx="0">
+            <a:schemeClr val="accent1"/>
+          </a:effectRef>
+          <a:fontRef idx="minor">
+            <a:schemeClr val="lt1"/>
+          </a:fontRef>
+        </p:style>
+        <p:txBody>
+          <a:bodyPr rtlCol="0" anchor="ctr"/>
+          <a:lstStyle/>
+          <a:p>
+            <a:pPr algn="ctr"/>
+            <a:r>
+              <a:rPr lang="en-US" sz="1100" dirty="0">
+                <a:solidFill>
+                  <a:schemeClr val="tx1"/>
+                </a:solidFill>
+              </a:rPr>
+              <a:t>Sentinel Testing</a:t>
+            </a:r>
+          </a:p>
+        </p:txBody>
+      </p:sp>
+      <p:sp>
+        <p:nvSpPr>
+          <p:cNvPr id="29" name="Oval 28">
+            <a:extLst>
+              <a:ext uri="{FF2B5EF4-FFF2-40B4-BE49-F238E27FC236}">
+                <a16:creationId xmlns:a16="http://schemas.microsoft.com/office/drawing/2014/main" id="{B9D71AF9-CF1B-4508-A0D9-EF9FF6AEFD7E}"/>
+              </a:ext>
+            </a:extLst>
+          </p:cNvPr>
+          <p:cNvSpPr/>
+          <p:nvPr/>
+        </p:nvSpPr>
+        <p:spPr>
+          <a:xfrm>
+            <a:off x="3967706" y="5264515"/>
+            <a:ext cx="1392573" cy="595618"/>
+          </a:xfrm>
+          <a:prstGeom prst="ellipse">
+            <a:avLst/>
+          </a:prstGeom>
+          <a:noFill/>
+          <a:ln>
+            <a:solidFill>
+              <a:schemeClr val="tx1"/>
+            </a:solidFill>
+          </a:ln>
+        </p:spPr>
+        <p:style>
+          <a:lnRef idx="2">
+            <a:schemeClr val="accent1">
+              <a:shade val="50000"/>
+            </a:schemeClr>
+          </a:lnRef>
+          <a:fillRef idx="1">
+            <a:schemeClr val="accent1"/>
+          </a:fillRef>
+          <a:effectRef idx="0">
+            <a:schemeClr val="accent1"/>
+          </a:effectRef>
+          <a:fontRef idx="minor">
+            <a:schemeClr val="lt1"/>
+          </a:fontRef>
+        </p:style>
+        <p:txBody>
+          <a:bodyPr rtlCol="0" anchor="ctr"/>
+          <a:lstStyle/>
+          <a:p>
+            <a:pPr algn="ctr"/>
+            <a:r>
+              <a:rPr lang="en-US" sz="1100" dirty="0">
+                <a:solidFill>
+                  <a:schemeClr val="tx1"/>
+                </a:solidFill>
+              </a:rPr>
+              <a:t>Isolation</a:t>
+            </a:r>
+          </a:p>
+        </p:txBody>
+      </p:sp>
+      <p:sp>
+        <p:nvSpPr>
+          <p:cNvPr id="30" name="Oval 29">
+            <a:extLst>
+              <a:ext uri="{FF2B5EF4-FFF2-40B4-BE49-F238E27FC236}">
+                <a16:creationId xmlns:a16="http://schemas.microsoft.com/office/drawing/2014/main" id="{68D949EF-A75E-4F71-B391-9BD2F423B361}"/>
+              </a:ext>
+            </a:extLst>
+          </p:cNvPr>
+          <p:cNvSpPr/>
+          <p:nvPr/>
+        </p:nvSpPr>
+        <p:spPr>
+          <a:xfrm>
+            <a:off x="10405844" y="5889773"/>
+            <a:ext cx="1392573" cy="595618"/>
+          </a:xfrm>
+          <a:prstGeom prst="ellipse">
+            <a:avLst/>
+          </a:prstGeom>
+          <a:noFill/>
+          <a:ln>
+            <a:solidFill>
+              <a:schemeClr val="tx1"/>
+            </a:solidFill>
+          </a:ln>
+        </p:spPr>
+        <p:style>
+          <a:lnRef idx="2">
+            <a:schemeClr val="accent1">
+              <a:shade val="50000"/>
+            </a:schemeClr>
+          </a:lnRef>
+          <a:fillRef idx="1">
+            <a:schemeClr val="accent1"/>
+          </a:fillRef>
+          <a:effectRef idx="0">
+            <a:schemeClr val="accent1"/>
+          </a:effectRef>
+          <a:fontRef idx="minor">
+            <a:schemeClr val="lt1"/>
+          </a:fontRef>
+        </p:style>
+        <p:txBody>
+          <a:bodyPr rtlCol="0" anchor="ctr"/>
+          <a:lstStyle/>
+          <a:p>
+            <a:pPr algn="ctr"/>
+            <a:r>
+              <a:rPr lang="en-US" sz="1100" dirty="0">
+                <a:solidFill>
+                  <a:schemeClr val="tx1"/>
+                </a:solidFill>
+              </a:rPr>
+              <a:t>Barracks Life as usual</a:t>
+            </a:r>
+          </a:p>
+        </p:txBody>
+      </p:sp>
+      <p:sp>
+        <p:nvSpPr>
+          <p:cNvPr id="31" name="Oval 30">
+            <a:extLst>
+              <a:ext uri="{FF2B5EF4-FFF2-40B4-BE49-F238E27FC236}">
+                <a16:creationId xmlns:a16="http://schemas.microsoft.com/office/drawing/2014/main" id="{EC195ED8-9123-44EA-8F96-97DAB544ED61}"/>
+              </a:ext>
+            </a:extLst>
+          </p:cNvPr>
+          <p:cNvSpPr/>
+          <p:nvPr/>
+        </p:nvSpPr>
+        <p:spPr>
+          <a:xfrm>
+            <a:off x="803337" y="4033504"/>
+            <a:ext cx="1392573" cy="595618"/>
+          </a:xfrm>
+          <a:prstGeom prst="ellipse">
+            <a:avLst/>
+          </a:prstGeom>
+          <a:noFill/>
+          <a:ln>
+            <a:solidFill>
+              <a:schemeClr val="tx1"/>
+            </a:solidFill>
+          </a:ln>
+        </p:spPr>
+        <p:style>
+          <a:lnRef idx="2">
+            <a:schemeClr val="accent1">
+              <a:shade val="50000"/>
+            </a:schemeClr>
+          </a:lnRef>
+          <a:fillRef idx="1">
+            <a:schemeClr val="accent1"/>
+          </a:fillRef>
+          <a:effectRef idx="0">
+            <a:schemeClr val="accent1"/>
+          </a:effectRef>
+          <a:fontRef idx="minor">
+            <a:schemeClr val="lt1"/>
+          </a:fontRef>
+        </p:style>
+        <p:txBody>
+          <a:bodyPr rtlCol="0" anchor="ctr"/>
+          <a:lstStyle/>
+          <a:p>
+            <a:pPr algn="ctr"/>
+            <a:r>
+              <a:rPr lang="en-US" sz="1100" dirty="0">
+                <a:solidFill>
+                  <a:schemeClr val="tx1"/>
+                </a:solidFill>
+              </a:rPr>
+              <a:t>Trace Close Contacts</a:t>
+            </a:r>
+          </a:p>
+        </p:txBody>
+      </p:sp>
+      <p:sp>
+        <p:nvSpPr>
+          <p:cNvPr id="32" name="Oval 31">
+            <a:extLst>
+              <a:ext uri="{FF2B5EF4-FFF2-40B4-BE49-F238E27FC236}">
+                <a16:creationId xmlns:a16="http://schemas.microsoft.com/office/drawing/2014/main" id="{6CF1DFBB-98EF-4C9E-8AA9-E7346F3DAA73}"/>
+              </a:ext>
+            </a:extLst>
+          </p:cNvPr>
+          <p:cNvSpPr/>
+          <p:nvPr/>
+        </p:nvSpPr>
+        <p:spPr>
+          <a:xfrm>
+            <a:off x="787514" y="5591964"/>
+            <a:ext cx="1392573" cy="595618"/>
+          </a:xfrm>
+          <a:prstGeom prst="ellipse">
+            <a:avLst/>
+          </a:prstGeom>
+          <a:noFill/>
+          <a:ln>
+            <a:solidFill>
+              <a:schemeClr val="tx1"/>
+            </a:solidFill>
+          </a:ln>
+        </p:spPr>
+        <p:style>
+          <a:lnRef idx="2">
+            <a:schemeClr val="accent1">
+              <a:shade val="50000"/>
+            </a:schemeClr>
+          </a:lnRef>
+          <a:fillRef idx="1">
+            <a:schemeClr val="accent1"/>
+          </a:fillRef>
+          <a:effectRef idx="0">
+            <a:schemeClr val="accent1"/>
+          </a:effectRef>
+          <a:fontRef idx="minor">
+            <a:schemeClr val="lt1"/>
+          </a:fontRef>
+        </p:style>
+        <p:txBody>
+          <a:bodyPr rtlCol="0" anchor="ctr"/>
+          <a:lstStyle/>
+          <a:p>
+            <a:pPr algn="ctr"/>
+            <a:r>
+              <a:rPr lang="en-US" sz="1100" dirty="0">
+                <a:solidFill>
+                  <a:schemeClr val="tx1"/>
+                </a:solidFill>
+              </a:rPr>
+              <a:t>Quarantine</a:t>
+            </a:r>
+          </a:p>
+        </p:txBody>
+      </p:sp>
+      <p:cxnSp>
+        <p:nvCxnSpPr>
+          <p:cNvPr id="19" name="Straight Arrow Connector 18">
+            <a:extLst>
+              <a:ext uri="{FF2B5EF4-FFF2-40B4-BE49-F238E27FC236}">
+                <a16:creationId xmlns:a16="http://schemas.microsoft.com/office/drawing/2014/main" id="{52E628FD-6E5B-4126-89AA-86C6A862B550}"/>
+              </a:ext>
+            </a:extLst>
+          </p:cNvPr>
+          <p:cNvCxnSpPr>
+            <a:cxnSpLocks/>
+            <a:stCxn id="4" idx="3"/>
+            <a:endCxn id="27" idx="0"/>
+          </p:cNvCxnSpPr>
+          <p:nvPr/>
+        </p:nvCxnSpPr>
+        <p:spPr>
+          <a:xfrm>
+            <a:off x="749222" y="743284"/>
+            <a:ext cx="1120475" cy="1028775"/>
+          </a:xfrm>
+          <a:prstGeom prst="straightConnector1">
+            <a:avLst/>
+          </a:prstGeom>
+          <a:ln>
+            <a:tailEnd type="triangle"/>
+          </a:ln>
+        </p:spPr>
+        <p:style>
+          <a:lnRef idx="1">
+            <a:schemeClr val="dk1"/>
+          </a:lnRef>
+          <a:fillRef idx="0">
+            <a:schemeClr val="dk1"/>
+          </a:fillRef>
+          <a:effectRef idx="0">
+            <a:schemeClr val="dk1"/>
+          </a:effectRef>
+          <a:fontRef idx="minor">
+            <a:schemeClr val="tx1"/>
+          </a:fontRef>
+        </p:style>
+      </p:cxnSp>
+      <p:cxnSp>
+        <p:nvCxnSpPr>
+          <p:cNvPr id="36" name="Straight Arrow Connector 35">
+            <a:extLst>
+              <a:ext uri="{FF2B5EF4-FFF2-40B4-BE49-F238E27FC236}">
+                <a16:creationId xmlns:a16="http://schemas.microsoft.com/office/drawing/2014/main" id="{F7D9C40D-E37D-49D4-9E1A-29D2AC76859F}"/>
+              </a:ext>
+            </a:extLst>
+          </p:cNvPr>
+          <p:cNvCxnSpPr>
+            <a:stCxn id="27" idx="6"/>
+            <a:endCxn id="20" idx="2"/>
+          </p:cNvCxnSpPr>
+          <p:nvPr/>
+        </p:nvCxnSpPr>
+        <p:spPr>
+          <a:xfrm>
+            <a:off x="2565983" y="2069868"/>
+            <a:ext cx="2931252" cy="555899"/>
+          </a:xfrm>
+          <a:prstGeom prst="straightConnector1">
+            <a:avLst/>
+          </a:prstGeom>
+          <a:ln>
+            <a:tailEnd type="triangle"/>
+          </a:ln>
+        </p:spPr>
+        <p:style>
+          <a:lnRef idx="1">
+            <a:schemeClr val="dk1"/>
+          </a:lnRef>
+          <a:fillRef idx="0">
+            <a:schemeClr val="dk1"/>
+          </a:fillRef>
+          <a:effectRef idx="0">
+            <a:schemeClr val="dk1"/>
+          </a:effectRef>
+          <a:fontRef idx="minor">
+            <a:schemeClr val="tx1"/>
+          </a:fontRef>
+        </p:style>
+      </p:cxnSp>
+      <p:cxnSp>
+        <p:nvCxnSpPr>
+          <p:cNvPr id="38" name="Straight Arrow Connector 37">
+            <a:extLst>
+              <a:ext uri="{FF2B5EF4-FFF2-40B4-BE49-F238E27FC236}">
+                <a16:creationId xmlns:a16="http://schemas.microsoft.com/office/drawing/2014/main" id="{80F78BA3-E133-4C93-BA79-7856C8EE3C24}"/>
+              </a:ext>
+            </a:extLst>
+          </p:cNvPr>
+          <p:cNvCxnSpPr>
+            <a:stCxn id="20" idx="4"/>
+            <a:endCxn id="21" idx="0"/>
+          </p:cNvCxnSpPr>
+          <p:nvPr/>
+        </p:nvCxnSpPr>
+        <p:spPr>
+          <a:xfrm>
+            <a:off x="6193522" y="2923576"/>
+            <a:ext cx="0" cy="423217"/>
+          </a:xfrm>
+          <a:prstGeom prst="straightConnector1">
+            <a:avLst/>
+          </a:prstGeom>
+          <a:ln>
+            <a:tailEnd type="triangle"/>
+          </a:ln>
+        </p:spPr>
+        <p:style>
+          <a:lnRef idx="1">
+            <a:schemeClr val="dk1"/>
+          </a:lnRef>
+          <a:fillRef idx="0">
+            <a:schemeClr val="dk1"/>
+          </a:fillRef>
+          <a:effectRef idx="0">
+            <a:schemeClr val="dk1"/>
+          </a:effectRef>
+          <a:fontRef idx="minor">
+            <a:schemeClr val="tx1"/>
+          </a:fontRef>
+        </p:style>
+      </p:cxnSp>
+      <p:cxnSp>
+        <p:nvCxnSpPr>
+          <p:cNvPr id="40" name="Straight Arrow Connector 39">
+            <a:extLst>
+              <a:ext uri="{FF2B5EF4-FFF2-40B4-BE49-F238E27FC236}">
+                <a16:creationId xmlns:a16="http://schemas.microsoft.com/office/drawing/2014/main" id="{8B0BE389-B0BF-401F-8C74-E9F2506E5C41}"/>
+              </a:ext>
+            </a:extLst>
+          </p:cNvPr>
+          <p:cNvCxnSpPr>
+            <a:stCxn id="21" idx="2"/>
+            <a:endCxn id="25" idx="6"/>
+          </p:cNvCxnSpPr>
+          <p:nvPr/>
+        </p:nvCxnSpPr>
+        <p:spPr>
+          <a:xfrm flipH="1">
+            <a:off x="5380201" y="3644602"/>
+            <a:ext cx="117034" cy="691880"/>
+          </a:xfrm>
+          <a:prstGeom prst="straightConnector1">
+            <a:avLst/>
+          </a:prstGeom>
+          <a:ln>
+            <a:tailEnd type="triangle"/>
+          </a:ln>
+        </p:spPr>
+        <p:style>
+          <a:lnRef idx="1">
+            <a:schemeClr val="dk1"/>
+          </a:lnRef>
+          <a:fillRef idx="0">
+            <a:schemeClr val="dk1"/>
+          </a:fillRef>
+          <a:effectRef idx="0">
+            <a:schemeClr val="dk1"/>
+          </a:effectRef>
+          <a:fontRef idx="minor">
+            <a:schemeClr val="tx1"/>
+          </a:fontRef>
+        </p:style>
+      </p:cxnSp>
+      <p:cxnSp>
+        <p:nvCxnSpPr>
+          <p:cNvPr id="42" name="Straight Arrow Connector 41">
+            <a:extLst>
+              <a:ext uri="{FF2B5EF4-FFF2-40B4-BE49-F238E27FC236}">
+                <a16:creationId xmlns:a16="http://schemas.microsoft.com/office/drawing/2014/main" id="{56C39200-A913-4FE8-AB2A-124A1B675C1D}"/>
+              </a:ext>
+            </a:extLst>
+          </p:cNvPr>
+          <p:cNvCxnSpPr>
+            <a:stCxn id="21" idx="6"/>
+            <a:endCxn id="23" idx="2"/>
+          </p:cNvCxnSpPr>
+          <p:nvPr/>
+        </p:nvCxnSpPr>
+        <p:spPr>
+          <a:xfrm>
+            <a:off x="6889808" y="3644602"/>
+            <a:ext cx="993254" cy="0"/>
+          </a:xfrm>
+          <a:prstGeom prst="straightConnector1">
+            <a:avLst/>
+          </a:prstGeom>
+          <a:ln>
+            <a:tailEnd type="triangle"/>
+          </a:ln>
+        </p:spPr>
+        <p:style>
+          <a:lnRef idx="1">
+            <a:schemeClr val="dk1"/>
+          </a:lnRef>
+          <a:fillRef idx="0">
+            <a:schemeClr val="dk1"/>
+          </a:fillRef>
+          <a:effectRef idx="0">
+            <a:schemeClr val="dk1"/>
+          </a:effectRef>
+          <a:fontRef idx="minor">
+            <a:schemeClr val="tx1"/>
+          </a:fontRef>
+        </p:style>
+      </p:cxnSp>
+      <p:cxnSp>
+        <p:nvCxnSpPr>
+          <p:cNvPr id="44" name="Straight Arrow Connector 43">
+            <a:extLst>
+              <a:ext uri="{FF2B5EF4-FFF2-40B4-BE49-F238E27FC236}">
+                <a16:creationId xmlns:a16="http://schemas.microsoft.com/office/drawing/2014/main" id="{213A0608-576B-4476-8140-AC066A6EF67B}"/>
+              </a:ext>
+            </a:extLst>
+          </p:cNvPr>
+          <p:cNvCxnSpPr>
+            <a:stCxn id="23" idx="4"/>
+            <a:endCxn id="30" idx="0"/>
+          </p:cNvCxnSpPr>
+          <p:nvPr/>
+        </p:nvCxnSpPr>
+        <p:spPr>
+          <a:xfrm>
+            <a:off x="8579349" y="3942411"/>
+            <a:ext cx="2522782" cy="1947362"/>
+          </a:xfrm>
+          <a:prstGeom prst="straightConnector1">
+            <a:avLst/>
+          </a:prstGeom>
+          <a:ln>
+            <a:tailEnd type="triangle"/>
+          </a:ln>
+        </p:spPr>
+        <p:style>
+          <a:lnRef idx="1">
+            <a:schemeClr val="dk1"/>
+          </a:lnRef>
+          <a:fillRef idx="0">
+            <a:schemeClr val="dk1"/>
+          </a:fillRef>
+          <a:effectRef idx="0">
+            <a:schemeClr val="dk1"/>
+          </a:effectRef>
+          <a:fontRef idx="minor">
+            <a:schemeClr val="tx1"/>
+          </a:fontRef>
+        </p:style>
+      </p:cxnSp>
+      <p:cxnSp>
+        <p:nvCxnSpPr>
+          <p:cNvPr id="46" name="Straight Arrow Connector 45">
+            <a:extLst>
+              <a:ext uri="{FF2B5EF4-FFF2-40B4-BE49-F238E27FC236}">
+                <a16:creationId xmlns:a16="http://schemas.microsoft.com/office/drawing/2014/main" id="{2524BC31-68B2-4A10-8F6E-82AF549417AF}"/>
+              </a:ext>
+            </a:extLst>
+          </p:cNvPr>
+          <p:cNvCxnSpPr>
+            <a:stCxn id="25" idx="4"/>
+            <a:endCxn id="29" idx="0"/>
+          </p:cNvCxnSpPr>
+          <p:nvPr/>
+        </p:nvCxnSpPr>
+        <p:spPr>
+          <a:xfrm flipH="1">
+            <a:off x="4663993" y="4634291"/>
+            <a:ext cx="19922" cy="630224"/>
+          </a:xfrm>
+          <a:prstGeom prst="straightConnector1">
+            <a:avLst/>
+          </a:prstGeom>
+          <a:ln>
+            <a:tailEnd type="triangle"/>
+          </a:ln>
+        </p:spPr>
+        <p:style>
+          <a:lnRef idx="1">
+            <a:schemeClr val="dk1"/>
+          </a:lnRef>
+          <a:fillRef idx="0">
+            <a:schemeClr val="dk1"/>
+          </a:fillRef>
+          <a:effectRef idx="0">
+            <a:schemeClr val="dk1"/>
+          </a:effectRef>
+          <a:fontRef idx="minor">
+            <a:schemeClr val="tx1"/>
+          </a:fontRef>
+        </p:style>
+      </p:cxnSp>
+      <p:cxnSp>
+        <p:nvCxnSpPr>
+          <p:cNvPr id="48" name="Straight Arrow Connector 47">
+            <a:extLst>
+              <a:ext uri="{FF2B5EF4-FFF2-40B4-BE49-F238E27FC236}">
+                <a16:creationId xmlns:a16="http://schemas.microsoft.com/office/drawing/2014/main" id="{D63F2E03-78CD-4D4B-B45B-511079D9F527}"/>
+              </a:ext>
+            </a:extLst>
+          </p:cNvPr>
+          <p:cNvCxnSpPr>
+            <a:stCxn id="29" idx="4"/>
+            <a:endCxn id="30" idx="0"/>
+          </p:cNvCxnSpPr>
+          <p:nvPr/>
+        </p:nvCxnSpPr>
+        <p:spPr>
+          <a:xfrm>
+            <a:off x="4663993" y="5860133"/>
+            <a:ext cx="6438138" cy="29640"/>
+          </a:xfrm>
+          <a:prstGeom prst="straightConnector1">
+            <a:avLst/>
+          </a:prstGeom>
+          <a:ln>
+            <a:tailEnd type="triangle"/>
+          </a:ln>
+        </p:spPr>
+        <p:style>
+          <a:lnRef idx="1">
+            <a:schemeClr val="dk1"/>
+          </a:lnRef>
+          <a:fillRef idx="0">
+            <a:schemeClr val="dk1"/>
+          </a:fillRef>
+          <a:effectRef idx="0">
+            <a:schemeClr val="dk1"/>
+          </a:effectRef>
+          <a:fontRef idx="minor">
+            <a:schemeClr val="tx1"/>
+          </a:fontRef>
+        </p:style>
+      </p:cxnSp>
+      <p:cxnSp>
+        <p:nvCxnSpPr>
+          <p:cNvPr id="50" name="Straight Arrow Connector 49">
+            <a:extLst>
+              <a:ext uri="{FF2B5EF4-FFF2-40B4-BE49-F238E27FC236}">
+                <a16:creationId xmlns:a16="http://schemas.microsoft.com/office/drawing/2014/main" id="{34C293DB-8F10-4C61-80B6-524B24557453}"/>
+              </a:ext>
+            </a:extLst>
+          </p:cNvPr>
+          <p:cNvCxnSpPr>
+            <a:stCxn id="31" idx="4"/>
+            <a:endCxn id="32" idx="0"/>
+          </p:cNvCxnSpPr>
+          <p:nvPr/>
+        </p:nvCxnSpPr>
+        <p:spPr>
+          <a:xfrm flipH="1">
+            <a:off x="1483801" y="4629122"/>
+            <a:ext cx="15823" cy="962842"/>
+          </a:xfrm>
+          <a:prstGeom prst="straightConnector1">
+            <a:avLst/>
+          </a:prstGeom>
+          <a:ln>
+            <a:tailEnd type="triangle"/>
+          </a:ln>
+        </p:spPr>
+        <p:style>
+          <a:lnRef idx="1">
+            <a:schemeClr val="dk1"/>
+          </a:lnRef>
+          <a:fillRef idx="0">
+            <a:schemeClr val="dk1"/>
+          </a:fillRef>
+          <a:effectRef idx="0">
+            <a:schemeClr val="dk1"/>
+          </a:effectRef>
+          <a:fontRef idx="minor">
+            <a:schemeClr val="tx1"/>
+          </a:fontRef>
+        </p:style>
+      </p:cxnSp>
+      <p:cxnSp>
+        <p:nvCxnSpPr>
+          <p:cNvPr id="54" name="Straight Arrow Connector 53">
+            <a:extLst>
+              <a:ext uri="{FF2B5EF4-FFF2-40B4-BE49-F238E27FC236}">
+                <a16:creationId xmlns:a16="http://schemas.microsoft.com/office/drawing/2014/main" id="{7B7E8504-C372-4153-93C4-A6592553AB6D}"/>
+              </a:ext>
+            </a:extLst>
+          </p:cNvPr>
+          <p:cNvCxnSpPr>
+            <a:stCxn id="32" idx="4"/>
+            <a:endCxn id="30" idx="2"/>
+          </p:cNvCxnSpPr>
+          <p:nvPr/>
+        </p:nvCxnSpPr>
+        <p:spPr>
+          <a:xfrm>
+            <a:off x="1483801" y="6187582"/>
+            <a:ext cx="8922043" cy="0"/>
+          </a:xfrm>
+          <a:prstGeom prst="straightConnector1">
+            <a:avLst/>
+          </a:prstGeom>
+          <a:ln>
+            <a:tailEnd type="triangle"/>
+          </a:ln>
+        </p:spPr>
+        <p:style>
+          <a:lnRef idx="1">
+            <a:schemeClr val="dk1"/>
+          </a:lnRef>
+          <a:fillRef idx="0">
+            <a:schemeClr val="dk1"/>
+          </a:fillRef>
+          <a:effectRef idx="0">
+            <a:schemeClr val="dk1"/>
+          </a:effectRef>
+          <a:fontRef idx="minor">
+            <a:schemeClr val="tx1"/>
+          </a:fontRef>
+        </p:style>
+      </p:cxnSp>
+      <p:cxnSp>
+        <p:nvCxnSpPr>
+          <p:cNvPr id="58" name="Straight Arrow Connector 57">
+            <a:extLst>
+              <a:ext uri="{FF2B5EF4-FFF2-40B4-BE49-F238E27FC236}">
+                <a16:creationId xmlns:a16="http://schemas.microsoft.com/office/drawing/2014/main" id="{7E16D5CB-C44D-4BFE-978A-FF3FE2300620}"/>
+              </a:ext>
+            </a:extLst>
+          </p:cNvPr>
+          <p:cNvCxnSpPr>
+            <a:stCxn id="25" idx="2"/>
+            <a:endCxn id="31" idx="6"/>
+          </p:cNvCxnSpPr>
+          <p:nvPr/>
+        </p:nvCxnSpPr>
+        <p:spPr>
+          <a:xfrm flipH="1" flipV="1">
+            <a:off x="2195910" y="4331313"/>
+            <a:ext cx="1791718" cy="5169"/>
+          </a:xfrm>
+          <a:prstGeom prst="straightConnector1">
+            <a:avLst/>
+          </a:prstGeom>
+          <a:ln>
+            <a:tailEnd type="triangle"/>
+          </a:ln>
+        </p:spPr>
+        <p:style>
+          <a:lnRef idx="1">
+            <a:schemeClr val="accent2"/>
+          </a:lnRef>
+          <a:fillRef idx="0">
+            <a:schemeClr val="accent2"/>
+          </a:fillRef>
+          <a:effectRef idx="0">
+            <a:schemeClr val="accent2"/>
+          </a:effectRef>
+          <a:fontRef idx="minor">
+            <a:schemeClr val="tx1"/>
+          </a:fontRef>
+        </p:style>
+      </p:cxnSp>
+      <p:sp>
+        <p:nvSpPr>
+          <p:cNvPr id="59" name="TextBox 58">
+            <a:extLst>
+              <a:ext uri="{FF2B5EF4-FFF2-40B4-BE49-F238E27FC236}">
+                <a16:creationId xmlns:a16="http://schemas.microsoft.com/office/drawing/2014/main" id="{D8E105C6-462D-4D11-AC38-F0A4C27B57E4}"/>
+              </a:ext>
+            </a:extLst>
+          </p:cNvPr>
+          <p:cNvSpPr txBox="1"/>
+          <p:nvPr/>
+        </p:nvSpPr>
+        <p:spPr>
+          <a:xfrm>
+            <a:off x="6881540" y="5598398"/>
+            <a:ext cx="689523" cy="276999"/>
+          </a:xfrm>
+          <a:prstGeom prst="rect">
+            <a:avLst/>
+          </a:prstGeom>
+          <a:noFill/>
+        </p:spPr>
+        <p:txBody>
+          <a:bodyPr wrap="square" rtlCol="0">
+            <a:spAutoFit/>
+          </a:bodyPr>
+          <a:lstStyle/>
+          <a:p>
+            <a:r>
+              <a:rPr lang="en-US" sz="1200" dirty="0"/>
+              <a:t>10 Days</a:t>
+            </a:r>
+          </a:p>
+        </p:txBody>
+      </p:sp>
+      <p:sp>
+        <p:nvSpPr>
+          <p:cNvPr id="60" name="TextBox 59">
+            <a:extLst>
+              <a:ext uri="{FF2B5EF4-FFF2-40B4-BE49-F238E27FC236}">
+                <a16:creationId xmlns:a16="http://schemas.microsoft.com/office/drawing/2014/main" id="{8C8C56E2-B1CA-41E1-9466-336549812A7E}"/>
+              </a:ext>
+            </a:extLst>
+          </p:cNvPr>
+          <p:cNvSpPr txBox="1"/>
+          <p:nvPr/>
+        </p:nvSpPr>
+        <p:spPr>
+          <a:xfrm>
+            <a:off x="5167062" y="6286710"/>
+            <a:ext cx="689523" cy="276999"/>
+          </a:xfrm>
+          <a:prstGeom prst="rect">
+            <a:avLst/>
+          </a:prstGeom>
+          <a:noFill/>
+        </p:spPr>
+        <p:txBody>
+          <a:bodyPr wrap="square" rtlCol="0">
+            <a:spAutoFit/>
+          </a:bodyPr>
+          <a:lstStyle/>
+          <a:p>
+            <a:r>
+              <a:rPr lang="en-US" sz="1200" dirty="0"/>
+              <a:t>14 Days</a:t>
+            </a:r>
+          </a:p>
+        </p:txBody>
+      </p:sp>
+      <p:cxnSp>
+        <p:nvCxnSpPr>
+          <p:cNvPr id="62" name="Straight Arrow Connector 61">
+            <a:extLst>
+              <a:ext uri="{FF2B5EF4-FFF2-40B4-BE49-F238E27FC236}">
+                <a16:creationId xmlns:a16="http://schemas.microsoft.com/office/drawing/2014/main" id="{C004706B-B9D7-42F5-AF95-BD50BFE9F34A}"/>
+              </a:ext>
+            </a:extLst>
+          </p:cNvPr>
+          <p:cNvCxnSpPr>
+            <a:cxnSpLocks/>
+            <a:stCxn id="31" idx="0"/>
+            <a:endCxn id="20" idx="2"/>
+          </p:cNvCxnSpPr>
+          <p:nvPr/>
+        </p:nvCxnSpPr>
+        <p:spPr>
+          <a:xfrm flipV="1">
+            <a:off x="1499624" y="2625767"/>
+            <a:ext cx="3997611" cy="1407737"/>
           </a:xfrm>
           <a:prstGeom prst="straightConnector1">
             <a:avLst/>
